--- a/techtalk/CloudDNS-TechTalk-8-References.pptx
+++ b/techtalk/CloudDNS-TechTalk-8-References.pptx
@@ -11,9 +11,9 @@
     <p:handoutMasterId r:id="rId9"/>
   </p:handoutMasterIdLst>
   <p:sldIdLst>
-    <p:sldId id="262" r:id="rId5"/>
-    <p:sldId id="274" r:id="rId6"/>
-    <p:sldId id="291" r:id="rId7"/>
+    <p:sldId id="291" r:id="rId5"/>
+    <p:sldId id="262" r:id="rId6"/>
+    <p:sldId id="274" r:id="rId7"/>
   </p:sldIdLst>
   <p:sldSz cx="9144000" cy="6858000" type="screen4x3"/>
   <p:notesSz cx="6858000" cy="9144000"/>
@@ -719,6 +719,14 @@
           <a:bodyPr/>
           <a:lstStyle/>
           <a:p>
+            <a:r>
+              <a:rPr lang="en-US" dirty="0" smtClean="0"/>
+              <a:t>Additional</a:t>
+            </a:r>
+            <a:r>
+              <a:rPr lang="en-US" baseline="0" dirty="0" smtClean="0"/>
+              <a:t> information can be found at the following links.  </a:t>
+            </a:r>
             <a:endParaRPr lang="en-US" dirty="0"/>
           </a:p>
         </p:txBody>
@@ -750,7 +758,7 @@
     </p:spTree>
     <p:extLst>
       <p:ext uri="{BB962C8B-B14F-4D97-AF65-F5344CB8AC3E}">
-        <p14:creationId xmlns:p14="http://schemas.microsoft.com/office/powerpoint/2010/main" val="2283639109"/>
+        <p14:creationId xmlns:p14="http://schemas.microsoft.com/office/powerpoint/2010/main" val="3056402701"/>
       </p:ext>
     </p:extLst>
   </p:cSld>
@@ -804,14 +812,6 @@
           <a:bodyPr/>
           <a:lstStyle/>
           <a:p>
-            <a:r>
-              <a:rPr lang="en-US" dirty="0" smtClean="0"/>
-              <a:t>Additional</a:t>
-            </a:r>
-            <a:r>
-              <a:rPr lang="en-US" baseline="0" dirty="0" smtClean="0"/>
-              <a:t> information can be found at the following links.  </a:t>
-            </a:r>
             <a:endParaRPr lang="en-US" dirty="0"/>
           </a:p>
         </p:txBody>
@@ -834,7 +834,7 @@
             <a:fld id="{A5E8145B-E57F-7042-809D-EFEA36287416}" type="slidenum">
               <a:rPr lang="en-US" smtClean="0"/>
               <a:pPr/>
-              <a:t>3</a:t>
+              <a:t>2</a:t>
             </a:fld>
             <a:endParaRPr lang="en-US" dirty="0"/>
           </a:p>
@@ -843,7 +843,7 @@
     </p:spTree>
     <p:extLst>
       <p:ext uri="{BB962C8B-B14F-4D97-AF65-F5344CB8AC3E}">
-        <p14:creationId xmlns:p14="http://schemas.microsoft.com/office/powerpoint/2010/main" val="3056402701"/>
+        <p14:creationId xmlns:p14="http://schemas.microsoft.com/office/powerpoint/2010/main" val="2283639109"/>
       </p:ext>
     </p:extLst>
   </p:cSld>
@@ -3912,6 +3912,200 @@
           <a:chExt cx="0" cy="0"/>
         </a:xfrm>
       </p:grpSpPr>
+      <p:sp>
+        <p:nvSpPr>
+          <p:cNvPr id="2" name="Title 1"/>
+          <p:cNvSpPr>
+            <a:spLocks noGrp="1"/>
+          </p:cNvSpPr>
+          <p:nvPr>
+            <p:ph type="title"/>
+          </p:nvPr>
+        </p:nvSpPr>
+        <p:spPr/>
+        <p:txBody>
+          <a:bodyPr/>
+          <a:lstStyle/>
+          <a:p>
+            <a:r>
+              <a:rPr lang="en-US" dirty="0" smtClean="0"/>
+              <a:t>LINKS</a:t>
+            </a:r>
+            <a:endParaRPr lang="en-US" dirty="0"/>
+          </a:p>
+        </p:txBody>
+      </p:sp>
+      <p:sp>
+        <p:nvSpPr>
+          <p:cNvPr id="3" name="Content Placeholder 2"/>
+          <p:cNvSpPr>
+            <a:spLocks noGrp="1"/>
+          </p:cNvSpPr>
+          <p:nvPr>
+            <p:ph idx="1"/>
+          </p:nvPr>
+        </p:nvSpPr>
+        <p:spPr/>
+        <p:txBody>
+          <a:bodyPr/>
+          <a:lstStyle/>
+          <a:p>
+            <a:r>
+              <a:rPr lang="en-US" dirty="0" smtClean="0"/>
+              <a:t>Product Page:</a:t>
+            </a:r>
+          </a:p>
+          <a:p>
+            <a:pPr lvl="1"/>
+            <a:r>
+              <a:rPr lang="en-US" sz="2000" dirty="0">
+                <a:hlinkClick r:id="rId3"/>
+              </a:rPr>
+              <a:t>http://www.rackspace.com/cloud/cloud_hosting_products/</a:t>
+            </a:r>
+            <a:r>
+              <a:rPr lang="en-US" sz="2000" dirty="0" smtClean="0">
+                <a:hlinkClick r:id="rId3"/>
+              </a:rPr>
+              <a:t>dns</a:t>
+            </a:r>
+            <a:endParaRPr lang="en-US" dirty="0" smtClean="0"/>
+          </a:p>
+          <a:p>
+            <a:pPr marL="419100" lvl="1" indent="0">
+              <a:buNone/>
+            </a:pPr>
+            <a:endParaRPr lang="en-US" dirty="0" smtClean="0"/>
+          </a:p>
+          <a:p>
+            <a:r>
+              <a:rPr lang="en-US" dirty="0" smtClean="0"/>
+              <a:t>Latest docs:</a:t>
+            </a:r>
+          </a:p>
+          <a:p>
+            <a:pPr lvl="1"/>
+            <a:r>
+              <a:rPr lang="en-US" sz="2000" dirty="0">
+                <a:hlinkClick r:id="rId4"/>
+              </a:rPr>
+              <a:t>http://docs-beta.rackspace.com/internal/api</a:t>
+            </a:r>
+            <a:r>
+              <a:rPr lang="en-US" sz="2000" dirty="0" smtClean="0">
+                <a:hlinkClick r:id="rId4"/>
+              </a:rPr>
+              <a:t>/</a:t>
+            </a:r>
+            <a:endParaRPr lang="en-US" sz="2000" dirty="0" smtClean="0"/>
+          </a:p>
+          <a:p>
+            <a:pPr marL="419100" lvl="1" indent="0">
+              <a:buNone/>
+            </a:pPr>
+            <a:endParaRPr lang="en-US" sz="2000" dirty="0" smtClean="0"/>
+          </a:p>
+          <a:p>
+            <a:r>
+              <a:rPr lang="en-US" dirty="0" smtClean="0"/>
+              <a:t>Code Repository:</a:t>
+            </a:r>
+          </a:p>
+          <a:p>
+            <a:pPr lvl="1"/>
+            <a:r>
+              <a:rPr lang="en-US" sz="2000" dirty="0" smtClean="0">
+                <a:hlinkClick r:id="rId5"/>
+              </a:rPr>
+              <a:t>http</a:t>
+            </a:r>
+            <a:r>
+              <a:rPr lang="en-US" sz="2000" dirty="0">
+                <a:hlinkClick r:id="rId5"/>
+              </a:rPr>
+              <a:t>://repo-n01.cloudplatform.rackspace.net/gitweb</a:t>
+            </a:r>
+            <a:r>
+              <a:rPr lang="en-US" sz="2000" dirty="0" smtClean="0">
+                <a:hlinkClick r:id="rId5"/>
+              </a:rPr>
+              <a:t>/</a:t>
+            </a:r>
+            <a:endParaRPr lang="en-US" sz="2000" dirty="0" smtClean="0"/>
+          </a:p>
+          <a:p>
+            <a:pPr lvl="1"/>
+            <a:endParaRPr lang="en-US" sz="2000" dirty="0"/>
+          </a:p>
+        </p:txBody>
+      </p:sp>
+      <p:sp>
+        <p:nvSpPr>
+          <p:cNvPr id="4" name="Slide Number Placeholder 3"/>
+          <p:cNvSpPr>
+            <a:spLocks noGrp="1"/>
+          </p:cNvSpPr>
+          <p:nvPr>
+            <p:ph type="sldNum" sz="quarter" idx="10"/>
+          </p:nvPr>
+        </p:nvSpPr>
+        <p:spPr/>
+        <p:txBody>
+          <a:bodyPr/>
+          <a:lstStyle/>
+          <a:p>
+            <a:pPr>
+              <a:defRPr/>
+            </a:pPr>
+            <a:fld id="{884F1976-FC0F-224B-8A7A-A2BF98A1E361}" type="slidenum">
+              <a:rPr lang="en-US" smtClean="0"/>
+              <a:pPr>
+                <a:defRPr/>
+              </a:pPr>
+              <a:t>1</a:t>
+            </a:fld>
+            <a:endParaRPr lang="en-US" dirty="0"/>
+          </a:p>
+        </p:txBody>
+      </p:sp>
+    </p:spTree>
+    <p:extLst>
+      <p:ext uri="{BB962C8B-B14F-4D97-AF65-F5344CB8AC3E}">
+        <p14:creationId xmlns:p14="http://schemas.microsoft.com/office/powerpoint/2010/main" val="2613647849"/>
+      </p:ext>
+    </p:extLst>
+  </p:cSld>
+  <p:clrMapOvr>
+    <a:masterClrMapping/>
+  </p:clrMapOvr>
+  <p:transition xmlns:p14="http://schemas.microsoft.com/office/powerpoint/2010/main"/>
+  <p:timing>
+    <p:tnLst>
+      <p:par>
+        <p:cTn xmlns:p14="http://schemas.microsoft.com/office/powerpoint/2010/main" id="1" dur="indefinite" restart="never" nodeType="tmRoot"/>
+      </p:par>
+    </p:tnLst>
+  </p:timing>
+</p:sld>
+</file>
+
+<file path=ppt/slides/slide2.xml><?xml version="1.0" encoding="utf-8"?>
+<p:sld xmlns:a="http://schemas.openxmlformats.org/drawingml/2006/main" xmlns:r="http://schemas.openxmlformats.org/officeDocument/2006/relationships" xmlns:p="http://schemas.openxmlformats.org/presentationml/2006/main">
+  <p:cSld>
+    <p:spTree>
+      <p:nvGrpSpPr>
+        <p:cNvPr id="1" name=""/>
+        <p:cNvGrpSpPr/>
+        <p:nvPr/>
+      </p:nvGrpSpPr>
+      <p:grpSpPr>
+        <a:xfrm>
+          <a:off x="0" y="0"/>
+          <a:ext cx="0" cy="0"/>
+          <a:chOff x="0" y="0"/>
+          <a:chExt cx="0" cy="0"/>
+        </a:xfrm>
+      </p:grpSpPr>
       <p:pic>
         <p:nvPicPr>
           <p:cNvPr id="8195" name="Picture 2"/>
@@ -4141,7 +4335,7 @@
 </p:sld>
 </file>
 
-<file path=ppt/slides/slide2.xml><?xml version="1.0" encoding="utf-8"?>
+<file path=ppt/slides/slide3.xml><?xml version="1.0" encoding="utf-8"?>
 <p:sld xmlns:a="http://schemas.openxmlformats.org/drawingml/2006/main" xmlns:r="http://schemas.openxmlformats.org/officeDocument/2006/relationships" xmlns:p="http://schemas.openxmlformats.org/presentationml/2006/main">
   <p:cSld>
     <p:spTree>
@@ -4181,7 +4375,7 @@
               <a:pPr>
                 <a:defRPr/>
               </a:pPr>
-              <a:t>2</a:t>
+              <a:t>3</a:t>
             </a:fld>
             <a:endParaRPr lang="en-US" dirty="0"/>
           </a:p>
@@ -5087,200 +5281,6 @@
     <p:extLst>
       <p:ext uri="{BB962C8B-B14F-4D97-AF65-F5344CB8AC3E}">
         <p14:creationId xmlns:p14="http://schemas.microsoft.com/office/powerpoint/2010/main" val="2567677111"/>
-      </p:ext>
-    </p:extLst>
-  </p:cSld>
-  <p:clrMapOvr>
-    <a:masterClrMapping/>
-  </p:clrMapOvr>
-  <p:transition xmlns:p14="http://schemas.microsoft.com/office/powerpoint/2010/main"/>
-  <p:timing>
-    <p:tnLst>
-      <p:par>
-        <p:cTn xmlns:p14="http://schemas.microsoft.com/office/powerpoint/2010/main" id="1" dur="indefinite" restart="never" nodeType="tmRoot"/>
-      </p:par>
-    </p:tnLst>
-  </p:timing>
-</p:sld>
-</file>
-
-<file path=ppt/slides/slide3.xml><?xml version="1.0" encoding="utf-8"?>
-<p:sld xmlns:a="http://schemas.openxmlformats.org/drawingml/2006/main" xmlns:r="http://schemas.openxmlformats.org/officeDocument/2006/relationships" xmlns:p="http://schemas.openxmlformats.org/presentationml/2006/main">
-  <p:cSld>
-    <p:spTree>
-      <p:nvGrpSpPr>
-        <p:cNvPr id="1" name=""/>
-        <p:cNvGrpSpPr/>
-        <p:nvPr/>
-      </p:nvGrpSpPr>
-      <p:grpSpPr>
-        <a:xfrm>
-          <a:off x="0" y="0"/>
-          <a:ext cx="0" cy="0"/>
-          <a:chOff x="0" y="0"/>
-          <a:chExt cx="0" cy="0"/>
-        </a:xfrm>
-      </p:grpSpPr>
-      <p:sp>
-        <p:nvSpPr>
-          <p:cNvPr id="2" name="Title 1"/>
-          <p:cNvSpPr>
-            <a:spLocks noGrp="1"/>
-          </p:cNvSpPr>
-          <p:nvPr>
-            <p:ph type="title"/>
-          </p:nvPr>
-        </p:nvSpPr>
-        <p:spPr/>
-        <p:txBody>
-          <a:bodyPr/>
-          <a:lstStyle/>
-          <a:p>
-            <a:r>
-              <a:rPr lang="en-US" dirty="0" smtClean="0"/>
-              <a:t>LINKS</a:t>
-            </a:r>
-            <a:endParaRPr lang="en-US" dirty="0"/>
-          </a:p>
-        </p:txBody>
-      </p:sp>
-      <p:sp>
-        <p:nvSpPr>
-          <p:cNvPr id="3" name="Content Placeholder 2"/>
-          <p:cNvSpPr>
-            <a:spLocks noGrp="1"/>
-          </p:cNvSpPr>
-          <p:nvPr>
-            <p:ph idx="1"/>
-          </p:nvPr>
-        </p:nvSpPr>
-        <p:spPr/>
-        <p:txBody>
-          <a:bodyPr/>
-          <a:lstStyle/>
-          <a:p>
-            <a:r>
-              <a:rPr lang="en-US" dirty="0" smtClean="0"/>
-              <a:t>Product Page:</a:t>
-            </a:r>
-          </a:p>
-          <a:p>
-            <a:pPr lvl="1"/>
-            <a:r>
-              <a:rPr lang="en-US" sz="2000" dirty="0">
-                <a:hlinkClick r:id="rId3"/>
-              </a:rPr>
-              <a:t>http://www.rackspace.com/cloud/cloud_hosting_products/</a:t>
-            </a:r>
-            <a:r>
-              <a:rPr lang="en-US" sz="2000" dirty="0" smtClean="0">
-                <a:hlinkClick r:id="rId3"/>
-              </a:rPr>
-              <a:t>dns</a:t>
-            </a:r>
-            <a:endParaRPr lang="en-US" dirty="0" smtClean="0"/>
-          </a:p>
-          <a:p>
-            <a:pPr marL="419100" lvl="1" indent="0">
-              <a:buNone/>
-            </a:pPr>
-            <a:endParaRPr lang="en-US" dirty="0" smtClean="0"/>
-          </a:p>
-          <a:p>
-            <a:r>
-              <a:rPr lang="en-US" dirty="0" smtClean="0"/>
-              <a:t>Latest docs:</a:t>
-            </a:r>
-          </a:p>
-          <a:p>
-            <a:pPr lvl="1"/>
-            <a:r>
-              <a:rPr lang="en-US" sz="2000" dirty="0">
-                <a:hlinkClick r:id="rId4"/>
-              </a:rPr>
-              <a:t>http://docs-beta.rackspace.com/internal/api</a:t>
-            </a:r>
-            <a:r>
-              <a:rPr lang="en-US" sz="2000" dirty="0" smtClean="0">
-                <a:hlinkClick r:id="rId4"/>
-              </a:rPr>
-              <a:t>/</a:t>
-            </a:r>
-            <a:endParaRPr lang="en-US" sz="2000" dirty="0" smtClean="0"/>
-          </a:p>
-          <a:p>
-            <a:pPr marL="419100" lvl="1" indent="0">
-              <a:buNone/>
-            </a:pPr>
-            <a:endParaRPr lang="en-US" sz="2000" dirty="0" smtClean="0"/>
-          </a:p>
-          <a:p>
-            <a:r>
-              <a:rPr lang="en-US" dirty="0" smtClean="0"/>
-              <a:t>Code Repository:</a:t>
-            </a:r>
-          </a:p>
-          <a:p>
-            <a:pPr lvl="1"/>
-            <a:r>
-              <a:rPr lang="en-US" sz="2000" dirty="0" smtClean="0">
-                <a:hlinkClick r:id="rId5"/>
-              </a:rPr>
-              <a:t>http</a:t>
-            </a:r>
-            <a:r>
-              <a:rPr lang="en-US" sz="2000" dirty="0">
-                <a:hlinkClick r:id="rId5"/>
-              </a:rPr>
-              <a:t>://repo-n01.cloudplatform.rackspace.net/gitweb</a:t>
-            </a:r>
-            <a:r>
-              <a:rPr lang="en-US" sz="2000" dirty="0" smtClean="0">
-                <a:hlinkClick r:id="rId5"/>
-              </a:rPr>
-              <a:t>/</a:t>
-            </a:r>
-            <a:endParaRPr lang="en-US" sz="2000" dirty="0" smtClean="0"/>
-          </a:p>
-          <a:p>
-            <a:pPr lvl="1"/>
-            <a:endParaRPr lang="en-US" sz="2000" dirty="0"/>
-          </a:p>
-        </p:txBody>
-      </p:sp>
-      <p:sp>
-        <p:nvSpPr>
-          <p:cNvPr id="4" name="Slide Number Placeholder 3"/>
-          <p:cNvSpPr>
-            <a:spLocks noGrp="1"/>
-          </p:cNvSpPr>
-          <p:nvPr>
-            <p:ph type="sldNum" sz="quarter" idx="10"/>
-          </p:nvPr>
-        </p:nvSpPr>
-        <p:spPr/>
-        <p:txBody>
-          <a:bodyPr/>
-          <a:lstStyle/>
-          <a:p>
-            <a:pPr>
-              <a:defRPr/>
-            </a:pPr>
-            <a:fld id="{884F1976-FC0F-224B-8A7A-A2BF98A1E361}" type="slidenum">
-              <a:rPr lang="en-US" smtClean="0"/>
-              <a:pPr>
-                <a:defRPr/>
-              </a:pPr>
-              <a:t>3</a:t>
-            </a:fld>
-            <a:endParaRPr lang="en-US" dirty="0"/>
-          </a:p>
-        </p:txBody>
-      </p:sp>
-    </p:spTree>
-    <p:extLst>
-      <p:ext uri="{BB962C8B-B14F-4D97-AF65-F5344CB8AC3E}">
-        <p14:creationId xmlns:p14="http://schemas.microsoft.com/office/powerpoint/2010/main" val="2613647849"/>
       </p:ext>
     </p:extLst>
   </p:cSld>

--- a/techtalk/CloudDNS-TechTalk-8-References.pptx
+++ b/techtalk/CloudDNS-TechTalk-8-References.pptx
@@ -237,7 +237,7 @@
             <a:fld id="{024717CF-9968-0D4D-9FC4-597B2E56B041}" type="datetimeFigureOut">
               <a:rPr lang="en-US" smtClean="0"/>
               <a:pPr/>
-              <a:t>10/24/11</a:t>
+              <a:t>10/26/11</a:t>
             </a:fld>
             <a:endParaRPr lang="en-US" dirty="0"/>
           </a:p>
@@ -405,7 +405,7 @@
             <a:fld id="{E59A0190-259B-884B-986E-E78E91DEEBF9}" type="datetimeFigureOut">
               <a:rPr lang="en-US" smtClean="0"/>
               <a:pPr/>
-              <a:t>10/24/11</a:t>
+              <a:t>10/26/11</a:t>
             </a:fld>
             <a:endParaRPr lang="en-US" dirty="0"/>
           </a:p>
@@ -719,14 +719,6 @@
           <a:bodyPr/>
           <a:lstStyle/>
           <a:p>
-            <a:r>
-              <a:rPr lang="en-US" dirty="0" smtClean="0"/>
-              <a:t>Additional</a:t>
-            </a:r>
-            <a:r>
-              <a:rPr lang="en-US" baseline="0" dirty="0" smtClean="0"/>
-              <a:t> information can be found at the following links.  </a:t>
-            </a:r>
             <a:endParaRPr lang="en-US" dirty="0"/>
           </a:p>
         </p:txBody>
